--- a/x0000001_HiSLIP 通信プロトコルの概要と仕組み/350_Table_5_Initialization_Transaction.pptx
+++ b/x0000001_HiSLIP 通信プロトコルの概要と仕組み/350_Table_5_Initialization_Transaction.pptx
@@ -5,13 +5,11 @@
     <p:sldMasterId id="2147483648" r:id="rId1"/>
   </p:sldMasterIdLst>
   <p:notesMasterIdLst>
-    <p:notesMasterId r:id="rId6"/>
+    <p:notesMasterId r:id="rId4"/>
   </p:notesMasterIdLst>
   <p:sldIdLst>
-    <p:sldId id="258" r:id="rId2"/>
+    <p:sldId id="257" r:id="rId2"/>
     <p:sldId id="259" r:id="rId3"/>
-    <p:sldId id="260" r:id="rId4"/>
-    <p:sldId id="257" r:id="rId5"/>
   </p:sldIdLst>
   <p:sldSz cx="12192000" cy="6858000"/>
   <p:notesSz cx="6858000" cy="9144000"/>
@@ -589,7 +587,7 @@
           <a:p>
             <a:fld id="{B6EC643A-FB82-460B-89F9-EC81F88236A9}" type="slidenum">
               <a:rPr kumimoji="1" lang="ja-JP" altLang="en-US" smtClean="0"/>
-              <a:t>4</a:t>
+              <a:t>1</a:t>
             </a:fld>
             <a:endParaRPr kumimoji="1" lang="ja-JP" altLang="en-US"/>
           </a:p>
@@ -4112,35 +4110,675 @@
       </p:grpSpPr>
       <p:sp>
         <p:nvSpPr>
-          <p:cNvPr id="2" name="タイトル 1">
-            <a:extLst>
-              <a:ext uri="{FF2B5EF4-FFF2-40B4-BE49-F238E27FC236}">
-                <a16:creationId xmlns:a16="http://schemas.microsoft.com/office/drawing/2014/main" id="{4CDB2C3A-0771-D823-480A-A48C430B7D44}"/>
-              </a:ext>
-            </a:extLst>
-          </p:cNvPr>
-          <p:cNvSpPr>
-            <a:spLocks noGrp="1"/>
-          </p:cNvSpPr>
-          <p:nvPr>
-            <p:ph type="title"/>
-          </p:nvPr>
-        </p:nvSpPr>
-        <p:spPr/>
-        <p:txBody>
-          <a:bodyPr/>
-          <a:lstStyle/>
-          <a:p>
-            <a:endParaRPr kumimoji="1" lang="ja-JP" altLang="en-US"/>
-          </a:p>
-        </p:txBody>
-      </p:sp>
+          <p:cNvPr id="2" name="正方形/長方形 1">
+            <a:extLst>
+              <a:ext uri="{FF2B5EF4-FFF2-40B4-BE49-F238E27FC236}">
+                <a16:creationId xmlns:a16="http://schemas.microsoft.com/office/drawing/2014/main" id="{69A5C45D-BED6-7954-811F-29A228CC598F}"/>
+              </a:ext>
+            </a:extLst>
+          </p:cNvPr>
+          <p:cNvSpPr/>
+          <p:nvPr/>
+        </p:nvSpPr>
+        <p:spPr>
+          <a:xfrm>
+            <a:off x="2042614" y="201758"/>
+            <a:ext cx="1152000" cy="288000"/>
+          </a:xfrm>
+          <a:prstGeom prst="rect">
+            <a:avLst/>
+          </a:prstGeom>
+          <a:solidFill>
+            <a:schemeClr val="bg1"/>
+          </a:solidFill>
+          <a:ln>
+            <a:solidFill>
+              <a:schemeClr val="tx1"/>
+            </a:solidFill>
+          </a:ln>
+        </p:spPr>
+        <p:style>
+          <a:lnRef idx="2">
+            <a:schemeClr val="accent1">
+              <a:shade val="50000"/>
+            </a:schemeClr>
+          </a:lnRef>
+          <a:fillRef idx="1">
+            <a:schemeClr val="accent1"/>
+          </a:fillRef>
+          <a:effectRef idx="0">
+            <a:schemeClr val="accent1"/>
+          </a:effectRef>
+          <a:fontRef idx="minor">
+            <a:schemeClr val="lt1"/>
+          </a:fontRef>
+        </p:style>
+        <p:txBody>
+          <a:bodyPr rtlCol="0" anchor="ctr"/>
+          <a:lstStyle/>
+          <a:p>
+            <a:pPr algn="ctr"/>
+            <a:r>
+              <a:rPr lang="en-US" altLang="ja-JP" sz="800" dirty="0">
+                <a:solidFill>
+                  <a:schemeClr val="tx1"/>
+                </a:solidFill>
+              </a:rPr>
+              <a:t>HiSLIP</a:t>
+            </a:r>
+            <a:r>
+              <a:rPr kumimoji="1" lang="en-US" altLang="ja-JP" sz="800" dirty="0">
+                <a:solidFill>
+                  <a:schemeClr val="tx1"/>
+                </a:solidFill>
+              </a:rPr>
+              <a:t> </a:t>
+            </a:r>
+            <a:r>
+              <a:rPr kumimoji="1" lang="ja-JP" altLang="en-US" sz="800" dirty="0">
+                <a:solidFill>
+                  <a:schemeClr val="tx1"/>
+                </a:solidFill>
+              </a:rPr>
+              <a:t>クライアント</a:t>
+            </a:r>
+          </a:p>
+        </p:txBody>
+      </p:sp>
+      <p:cxnSp>
+        <p:nvCxnSpPr>
+          <p:cNvPr id="4" name="直線コネクタ 3">
+            <a:extLst>
+              <a:ext uri="{FF2B5EF4-FFF2-40B4-BE49-F238E27FC236}">
+                <a16:creationId xmlns:a16="http://schemas.microsoft.com/office/drawing/2014/main" id="{0856E90C-C268-A21D-09C7-A7F0F30E705C}"/>
+              </a:ext>
+            </a:extLst>
+          </p:cNvPr>
+          <p:cNvCxnSpPr>
+            <a:cxnSpLocks/>
+            <a:stCxn id="2" idx="2"/>
+          </p:cNvCxnSpPr>
+          <p:nvPr/>
+        </p:nvCxnSpPr>
+        <p:spPr>
+          <a:xfrm>
+            <a:off x="2618614" y="489758"/>
+            <a:ext cx="0" cy="5076000"/>
+          </a:xfrm>
+          <a:prstGeom prst="line">
+            <a:avLst/>
+          </a:prstGeom>
+          <a:ln>
+            <a:solidFill>
+              <a:schemeClr val="tx1"/>
+            </a:solidFill>
+          </a:ln>
+        </p:spPr>
+        <p:style>
+          <a:lnRef idx="1">
+            <a:schemeClr val="accent1"/>
+          </a:lnRef>
+          <a:fillRef idx="0">
+            <a:schemeClr val="accent1"/>
+          </a:fillRef>
+          <a:effectRef idx="0">
+            <a:schemeClr val="accent1"/>
+          </a:effectRef>
+          <a:fontRef idx="minor">
+            <a:schemeClr val="tx1"/>
+          </a:fontRef>
+        </p:style>
+      </p:cxnSp>
+      <p:cxnSp>
+        <p:nvCxnSpPr>
+          <p:cNvPr id="8" name="直線矢印コネクタ 7">
+            <a:extLst>
+              <a:ext uri="{FF2B5EF4-FFF2-40B4-BE49-F238E27FC236}">
+                <a16:creationId xmlns:a16="http://schemas.microsoft.com/office/drawing/2014/main" id="{A55D928F-5A63-0600-02D0-C9D215FF91B4}"/>
+              </a:ext>
+            </a:extLst>
+          </p:cNvPr>
+          <p:cNvCxnSpPr>
+            <a:cxnSpLocks/>
+          </p:cNvCxnSpPr>
+          <p:nvPr/>
+        </p:nvCxnSpPr>
+        <p:spPr>
+          <a:xfrm>
+            <a:off x="2606900" y="2153236"/>
+            <a:ext cx="1800000" cy="144000"/>
+          </a:xfrm>
+          <a:prstGeom prst="straightConnector1">
+            <a:avLst/>
+          </a:prstGeom>
+          <a:ln>
+            <a:solidFill>
+              <a:schemeClr val="tx1"/>
+            </a:solidFill>
+            <a:tailEnd type="triangle"/>
+          </a:ln>
+        </p:spPr>
+        <p:style>
+          <a:lnRef idx="1">
+            <a:schemeClr val="accent1"/>
+          </a:lnRef>
+          <a:fillRef idx="0">
+            <a:schemeClr val="accent1"/>
+          </a:fillRef>
+          <a:effectRef idx="0">
+            <a:schemeClr val="accent1"/>
+          </a:effectRef>
+          <a:fontRef idx="minor">
+            <a:schemeClr val="tx1"/>
+          </a:fontRef>
+        </p:style>
+      </p:cxnSp>
+      <p:sp>
+        <p:nvSpPr>
+          <p:cNvPr id="11" name="テキスト ボックス 10">
+            <a:extLst>
+              <a:ext uri="{FF2B5EF4-FFF2-40B4-BE49-F238E27FC236}">
+                <a16:creationId xmlns:a16="http://schemas.microsoft.com/office/drawing/2014/main" id="{D68683F9-4522-822A-8AC6-B547E9311D15}"/>
+              </a:ext>
+            </a:extLst>
+          </p:cNvPr>
+          <p:cNvSpPr txBox="1"/>
+          <p:nvPr/>
+        </p:nvSpPr>
+        <p:spPr>
+          <a:xfrm>
+            <a:off x="4490584" y="687300"/>
+            <a:ext cx="1412566" cy="338554"/>
+          </a:xfrm>
+          <a:prstGeom prst="rect">
+            <a:avLst/>
+          </a:prstGeom>
+          <a:noFill/>
+        </p:spPr>
+        <p:txBody>
+          <a:bodyPr wrap="none" rtlCol="0">
+            <a:spAutoFit/>
+          </a:bodyPr>
+          <a:lstStyle/>
+          <a:p>
+            <a:r>
+              <a:rPr kumimoji="1" lang="en-US" altLang="ja-JP" sz="800" dirty="0"/>
+              <a:t>TCP</a:t>
+            </a:r>
+            <a:r>
+              <a:rPr kumimoji="1" lang="ja-JP" altLang="en-US" sz="800" dirty="0"/>
+              <a:t>サーバ</a:t>
+            </a:r>
+            <a:r>
+              <a:rPr lang="ja-JP" altLang="en-US" sz="800" dirty="0"/>
+              <a:t>ソケット</a:t>
+            </a:r>
+            <a:r>
+              <a:rPr kumimoji="1" lang="ja-JP" altLang="en-US" sz="800" dirty="0"/>
+              <a:t>の作成</a:t>
+            </a:r>
+            <a:endParaRPr kumimoji="1" lang="en-US" altLang="ja-JP" sz="800" dirty="0"/>
+          </a:p>
+          <a:p>
+            <a:r>
+              <a:rPr kumimoji="1" lang="ja-JP" altLang="en-US" sz="800" dirty="0"/>
+              <a:t>（ポート番号：</a:t>
+            </a:r>
+            <a:r>
+              <a:rPr kumimoji="1" lang="en-US" altLang="ja-JP" sz="800" dirty="0"/>
+              <a:t> 4880 </a:t>
+            </a:r>
+            <a:r>
+              <a:rPr kumimoji="1" lang="ja-JP" altLang="en-US" sz="800" dirty="0"/>
+              <a:t>）</a:t>
+            </a:r>
+          </a:p>
+        </p:txBody>
+      </p:sp>
+      <p:sp>
+        <p:nvSpPr>
+          <p:cNvPr id="12" name="テキスト ボックス 11">
+            <a:extLst>
+              <a:ext uri="{FF2B5EF4-FFF2-40B4-BE49-F238E27FC236}">
+                <a16:creationId xmlns:a16="http://schemas.microsoft.com/office/drawing/2014/main" id="{06D91405-FA91-0CDC-00A5-A4156909B9A3}"/>
+              </a:ext>
+            </a:extLst>
+          </p:cNvPr>
+          <p:cNvSpPr txBox="1"/>
+          <p:nvPr/>
+        </p:nvSpPr>
+        <p:spPr>
+          <a:xfrm>
+            <a:off x="197511" y="3563594"/>
+            <a:ext cx="2364750" cy="215444"/>
+          </a:xfrm>
+          <a:prstGeom prst="rect">
+            <a:avLst/>
+          </a:prstGeom>
+          <a:noFill/>
+        </p:spPr>
+        <p:txBody>
+          <a:bodyPr wrap="none" rtlCol="0">
+            <a:spAutoFit/>
+          </a:bodyPr>
+          <a:lstStyle/>
+          <a:p>
+            <a:r>
+              <a:rPr lang="en-US" altLang="ja-JP" sz="800" dirty="0"/>
+              <a:t>TCP </a:t>
+            </a:r>
+            <a:r>
+              <a:rPr lang="ja-JP" altLang="en-US" sz="800" dirty="0"/>
+              <a:t>クライアント（非同期チャンネル）の作成</a:t>
+            </a:r>
+            <a:endParaRPr kumimoji="1" lang="ja-JP" altLang="en-US" sz="800" dirty="0"/>
+          </a:p>
+        </p:txBody>
+      </p:sp>
+      <p:sp>
+        <p:nvSpPr>
+          <p:cNvPr id="15" name="正方形/長方形 14">
+            <a:extLst>
+              <a:ext uri="{FF2B5EF4-FFF2-40B4-BE49-F238E27FC236}">
+                <a16:creationId xmlns:a16="http://schemas.microsoft.com/office/drawing/2014/main" id="{BD4CE7FD-838D-AD35-81FB-95C5BFECA3B7}"/>
+              </a:ext>
+            </a:extLst>
+          </p:cNvPr>
+          <p:cNvSpPr/>
+          <p:nvPr/>
+        </p:nvSpPr>
+        <p:spPr>
+          <a:xfrm>
+            <a:off x="3882475" y="201758"/>
+            <a:ext cx="1152000" cy="288000"/>
+          </a:xfrm>
+          <a:prstGeom prst="rect">
+            <a:avLst/>
+          </a:prstGeom>
+          <a:solidFill>
+            <a:schemeClr val="bg1"/>
+          </a:solidFill>
+          <a:ln>
+            <a:solidFill>
+              <a:schemeClr val="tx1"/>
+            </a:solidFill>
+          </a:ln>
+        </p:spPr>
+        <p:style>
+          <a:lnRef idx="2">
+            <a:schemeClr val="accent1">
+              <a:shade val="50000"/>
+            </a:schemeClr>
+          </a:lnRef>
+          <a:fillRef idx="1">
+            <a:schemeClr val="accent1"/>
+          </a:fillRef>
+          <a:effectRef idx="0">
+            <a:schemeClr val="accent1"/>
+          </a:effectRef>
+          <a:fontRef idx="minor">
+            <a:schemeClr val="lt1"/>
+          </a:fontRef>
+        </p:style>
+        <p:txBody>
+          <a:bodyPr rtlCol="0" anchor="ctr"/>
+          <a:lstStyle/>
+          <a:p>
+            <a:pPr algn="ctr"/>
+            <a:r>
+              <a:rPr lang="en-US" altLang="ja-JP" sz="800" dirty="0">
+                <a:solidFill>
+                  <a:schemeClr val="tx1"/>
+                </a:solidFill>
+              </a:rPr>
+              <a:t>HiSLIP </a:t>
+            </a:r>
+            <a:r>
+              <a:rPr lang="ja-JP" altLang="en-US" sz="800" dirty="0">
+                <a:solidFill>
+                  <a:schemeClr val="tx1"/>
+                </a:solidFill>
+              </a:rPr>
+              <a:t>サーバ</a:t>
+            </a:r>
+            <a:endParaRPr kumimoji="1" lang="ja-JP" altLang="en-US" sz="800" dirty="0">
+              <a:solidFill>
+                <a:schemeClr val="tx1"/>
+              </a:solidFill>
+            </a:endParaRPr>
+          </a:p>
+        </p:txBody>
+      </p:sp>
+      <p:cxnSp>
+        <p:nvCxnSpPr>
+          <p:cNvPr id="16" name="直線コネクタ 15">
+            <a:extLst>
+              <a:ext uri="{FF2B5EF4-FFF2-40B4-BE49-F238E27FC236}">
+                <a16:creationId xmlns:a16="http://schemas.microsoft.com/office/drawing/2014/main" id="{52B06D54-D847-599A-A63D-9D075602454D}"/>
+              </a:ext>
+            </a:extLst>
+          </p:cNvPr>
+          <p:cNvCxnSpPr>
+            <a:cxnSpLocks/>
+            <a:stCxn id="15" idx="2"/>
+          </p:cNvCxnSpPr>
+          <p:nvPr/>
+        </p:nvCxnSpPr>
+        <p:spPr>
+          <a:xfrm>
+            <a:off x="4458475" y="489758"/>
+            <a:ext cx="0" cy="5076000"/>
+          </a:xfrm>
+          <a:prstGeom prst="line">
+            <a:avLst/>
+          </a:prstGeom>
+          <a:ln>
+            <a:solidFill>
+              <a:schemeClr val="tx1"/>
+            </a:solidFill>
+          </a:ln>
+        </p:spPr>
+        <p:style>
+          <a:lnRef idx="1">
+            <a:schemeClr val="accent1"/>
+          </a:lnRef>
+          <a:fillRef idx="0">
+            <a:schemeClr val="accent1"/>
+          </a:fillRef>
+          <a:effectRef idx="0">
+            <a:schemeClr val="accent1"/>
+          </a:effectRef>
+          <a:fontRef idx="minor">
+            <a:schemeClr val="tx1"/>
+          </a:fontRef>
+        </p:style>
+      </p:cxnSp>
+      <p:cxnSp>
+        <p:nvCxnSpPr>
+          <p:cNvPr id="29" name="直線矢印コネクタ 28">
+            <a:extLst>
+              <a:ext uri="{FF2B5EF4-FFF2-40B4-BE49-F238E27FC236}">
+                <a16:creationId xmlns:a16="http://schemas.microsoft.com/office/drawing/2014/main" id="{B354946A-18B9-64BF-F00C-84AA8E2C81C6}"/>
+              </a:ext>
+            </a:extLst>
+          </p:cNvPr>
+          <p:cNvCxnSpPr>
+            <a:cxnSpLocks/>
+          </p:cNvCxnSpPr>
+          <p:nvPr/>
+        </p:nvCxnSpPr>
+        <p:spPr>
+          <a:xfrm>
+            <a:off x="2606900" y="1318216"/>
+            <a:ext cx="1800000" cy="144000"/>
+          </a:xfrm>
+          <a:prstGeom prst="straightConnector1">
+            <a:avLst/>
+          </a:prstGeom>
+          <a:ln>
+            <a:solidFill>
+              <a:schemeClr val="tx1"/>
+            </a:solidFill>
+            <a:tailEnd type="triangle"/>
+          </a:ln>
+        </p:spPr>
+        <p:style>
+          <a:lnRef idx="1">
+            <a:schemeClr val="accent1"/>
+          </a:lnRef>
+          <a:fillRef idx="0">
+            <a:schemeClr val="accent1"/>
+          </a:fillRef>
+          <a:effectRef idx="0">
+            <a:schemeClr val="accent1"/>
+          </a:effectRef>
+          <a:fontRef idx="minor">
+            <a:schemeClr val="tx1"/>
+          </a:fontRef>
+        </p:style>
+      </p:cxnSp>
+      <p:cxnSp>
+        <p:nvCxnSpPr>
+          <p:cNvPr id="30" name="直線矢印コネクタ 29">
+            <a:extLst>
+              <a:ext uri="{FF2B5EF4-FFF2-40B4-BE49-F238E27FC236}">
+                <a16:creationId xmlns:a16="http://schemas.microsoft.com/office/drawing/2014/main" id="{B4C326C5-4B12-DB4C-A669-40564ABB03BD}"/>
+              </a:ext>
+            </a:extLst>
+          </p:cNvPr>
+          <p:cNvCxnSpPr>
+            <a:cxnSpLocks/>
+          </p:cNvCxnSpPr>
+          <p:nvPr/>
+        </p:nvCxnSpPr>
+        <p:spPr>
+          <a:xfrm>
+            <a:off x="2606900" y="3654505"/>
+            <a:ext cx="1800000" cy="144000"/>
+          </a:xfrm>
+          <a:prstGeom prst="straightConnector1">
+            <a:avLst/>
+          </a:prstGeom>
+          <a:ln>
+            <a:solidFill>
+              <a:schemeClr val="tx1"/>
+            </a:solidFill>
+            <a:prstDash val="dash"/>
+            <a:headEnd type="none" w="med" len="med"/>
+            <a:tailEnd type="triangle" w="med" len="med"/>
+          </a:ln>
+        </p:spPr>
+        <p:style>
+          <a:lnRef idx="1">
+            <a:schemeClr val="accent1"/>
+          </a:lnRef>
+          <a:fillRef idx="0">
+            <a:schemeClr val="accent1"/>
+          </a:fillRef>
+          <a:effectRef idx="0">
+            <a:schemeClr val="accent1"/>
+          </a:effectRef>
+          <a:fontRef idx="minor">
+            <a:schemeClr val="tx1"/>
+          </a:fontRef>
+        </p:style>
+      </p:cxnSp>
+      <p:sp>
+        <p:nvSpPr>
+          <p:cNvPr id="43" name="テキスト ボックス 42">
+            <a:extLst>
+              <a:ext uri="{FF2B5EF4-FFF2-40B4-BE49-F238E27FC236}">
+                <a16:creationId xmlns:a16="http://schemas.microsoft.com/office/drawing/2014/main" id="{604B7F58-CE75-1216-F743-1F846266412E}"/>
+              </a:ext>
+            </a:extLst>
+          </p:cNvPr>
+          <p:cNvSpPr txBox="1"/>
+          <p:nvPr/>
+        </p:nvSpPr>
+        <p:spPr>
+          <a:xfrm>
+            <a:off x="4542749" y="2500596"/>
+            <a:ext cx="1313180" cy="461665"/>
+          </a:xfrm>
+          <a:prstGeom prst="rect">
+            <a:avLst/>
+          </a:prstGeom>
+          <a:noFill/>
+        </p:spPr>
+        <p:txBody>
+          <a:bodyPr wrap="none" rtlCol="0">
+            <a:spAutoFit/>
+          </a:bodyPr>
+          <a:lstStyle/>
+          <a:p>
+            <a:r>
+              <a:rPr kumimoji="1" lang="en-US" altLang="ja-JP" sz="800" dirty="0"/>
+              <a:t>Initialize</a:t>
+            </a:r>
+            <a:r>
+              <a:rPr kumimoji="1" lang="ja-JP" altLang="en-US" sz="800" dirty="0"/>
+              <a:t>に応答して</a:t>
+            </a:r>
+            <a:endParaRPr kumimoji="1" lang="en-US" altLang="ja-JP" sz="800" dirty="0"/>
+          </a:p>
+          <a:p>
+            <a:r>
+              <a:rPr lang="ja-JP" altLang="en-US" sz="800" dirty="0"/>
+              <a:t>プロトコルバージョンと</a:t>
+            </a:r>
+            <a:endParaRPr lang="en-US" altLang="ja-JP" sz="800" dirty="0"/>
+          </a:p>
+          <a:p>
+            <a:r>
+              <a:rPr lang="ja-JP" altLang="en-US" sz="800" dirty="0"/>
+              <a:t>セッション</a:t>
+            </a:r>
+            <a:r>
+              <a:rPr lang="en-US" altLang="ja-JP" sz="800" dirty="0"/>
+              <a:t>ID</a:t>
+            </a:r>
+            <a:r>
+              <a:rPr kumimoji="1" lang="ja-JP" altLang="en-US" sz="800" dirty="0"/>
+              <a:t>を返す</a:t>
+            </a:r>
+          </a:p>
+        </p:txBody>
+      </p:sp>
+      <p:sp>
+        <p:nvSpPr>
+          <p:cNvPr id="47" name="テキスト ボックス 46">
+            <a:extLst>
+              <a:ext uri="{FF2B5EF4-FFF2-40B4-BE49-F238E27FC236}">
+                <a16:creationId xmlns:a16="http://schemas.microsoft.com/office/drawing/2014/main" id="{FC079A1D-777D-0A86-9DB9-2D22860FA840}"/>
+              </a:ext>
+            </a:extLst>
+          </p:cNvPr>
+          <p:cNvSpPr txBox="1"/>
+          <p:nvPr/>
+        </p:nvSpPr>
+        <p:spPr>
+          <a:xfrm>
+            <a:off x="481802" y="1193323"/>
+            <a:ext cx="2130711" cy="215444"/>
+          </a:xfrm>
+          <a:prstGeom prst="rect">
+            <a:avLst/>
+          </a:prstGeom>
+          <a:noFill/>
+        </p:spPr>
+        <p:txBody>
+          <a:bodyPr wrap="none" rtlCol="0">
+            <a:spAutoFit/>
+          </a:bodyPr>
+          <a:lstStyle/>
+          <a:p>
+            <a:pPr algn="r"/>
+            <a:r>
+              <a:rPr kumimoji="1" lang="en-US" altLang="ja-JP" sz="800" dirty="0"/>
+              <a:t>TCP</a:t>
+            </a:r>
+            <a:r>
+              <a:rPr kumimoji="1" lang="ja-JP" altLang="en-US" sz="800" dirty="0"/>
+              <a:t>クライアント（</a:t>
+            </a:r>
+            <a:r>
+              <a:rPr lang="ja-JP" altLang="en-US" sz="800" dirty="0"/>
+              <a:t>同期チャネル</a:t>
+            </a:r>
+            <a:r>
+              <a:rPr kumimoji="1" lang="ja-JP" altLang="en-US" sz="800" dirty="0"/>
+              <a:t>）の作成</a:t>
+            </a:r>
+          </a:p>
+        </p:txBody>
+      </p:sp>
+      <p:sp>
+        <p:nvSpPr>
+          <p:cNvPr id="52" name="テキスト ボックス 51">
+            <a:extLst>
+              <a:ext uri="{FF2B5EF4-FFF2-40B4-BE49-F238E27FC236}">
+                <a16:creationId xmlns:a16="http://schemas.microsoft.com/office/drawing/2014/main" id="{AD036888-FFC0-A1BD-7155-D51C8098DF78}"/>
+              </a:ext>
+            </a:extLst>
+          </p:cNvPr>
+          <p:cNvSpPr txBox="1"/>
+          <p:nvPr/>
+        </p:nvSpPr>
+        <p:spPr>
+          <a:xfrm>
+            <a:off x="1977779" y="2004610"/>
+            <a:ext cx="582211" cy="215444"/>
+          </a:xfrm>
+          <a:prstGeom prst="rect">
+            <a:avLst/>
+          </a:prstGeom>
+          <a:noFill/>
+        </p:spPr>
+        <p:txBody>
+          <a:bodyPr wrap="none" rtlCol="0">
+            <a:spAutoFit/>
+          </a:bodyPr>
+          <a:lstStyle/>
+          <a:p>
+            <a:pPr algn="r"/>
+            <a:r>
+              <a:rPr kumimoji="1" lang="en-US" altLang="ja-JP" sz="800" dirty="0"/>
+              <a:t>Initialize</a:t>
+            </a:r>
+            <a:endParaRPr kumimoji="1" lang="ja-JP" altLang="en-US" sz="800" dirty="0"/>
+          </a:p>
+        </p:txBody>
+      </p:sp>
+      <p:cxnSp>
+        <p:nvCxnSpPr>
+          <p:cNvPr id="53" name="直線矢印コネクタ 52">
+            <a:extLst>
+              <a:ext uri="{FF2B5EF4-FFF2-40B4-BE49-F238E27FC236}">
+                <a16:creationId xmlns:a16="http://schemas.microsoft.com/office/drawing/2014/main" id="{D7DB7196-14B4-5C22-F8EF-DBE675F9FAA4}"/>
+              </a:ext>
+            </a:extLst>
+          </p:cNvPr>
+          <p:cNvCxnSpPr>
+            <a:cxnSpLocks/>
+          </p:cNvCxnSpPr>
+          <p:nvPr/>
+        </p:nvCxnSpPr>
+        <p:spPr>
+          <a:xfrm flipH="1">
+            <a:off x="2606900" y="3063983"/>
+            <a:ext cx="1800000" cy="144000"/>
+          </a:xfrm>
+          <a:prstGeom prst="straightConnector1">
+            <a:avLst/>
+          </a:prstGeom>
+          <a:ln>
+            <a:solidFill>
+              <a:schemeClr val="tx1"/>
+            </a:solidFill>
+            <a:tailEnd type="triangle"/>
+          </a:ln>
+        </p:spPr>
+        <p:style>
+          <a:lnRef idx="1">
+            <a:schemeClr val="accent1"/>
+          </a:lnRef>
+          <a:fillRef idx="0">
+            <a:schemeClr val="accent1"/>
+          </a:fillRef>
+          <a:effectRef idx="0">
+            <a:schemeClr val="accent1"/>
+          </a:effectRef>
+          <a:fontRef idx="minor">
+            <a:schemeClr val="tx1"/>
+          </a:fontRef>
+        </p:style>
+      </p:cxnSp>
       <p:pic>
         <p:nvPicPr>
-          <p:cNvPr id="5" name="コンテンツ プレースホルダー 4">
-            <a:extLst>
-              <a:ext uri="{FF2B5EF4-FFF2-40B4-BE49-F238E27FC236}">
-                <a16:creationId xmlns:a16="http://schemas.microsoft.com/office/drawing/2014/main" id="{10BEA925-EF27-B788-0A64-7FED0B6EF6A9}"/>
+          <p:cNvPr id="3" name="コンテンツ プレースホルダー 4">
+            <a:extLst>
+              <a:ext uri="{FF2B5EF4-FFF2-40B4-BE49-F238E27FC236}">
+                <a16:creationId xmlns:a16="http://schemas.microsoft.com/office/drawing/2014/main" id="{9DB5C898-F5DD-11AC-5414-F31F7E6D16EF}"/>
               </a:ext>
             </a:extLst>
           </p:cNvPr>
@@ -4152,7 +4790,7 @@
           </p:nvPr>
         </p:nvPicPr>
         <p:blipFill>
-          <a:blip r:embed="rId2">
+          <a:blip r:embed="rId3">
             <a:extLst>
               <a:ext uri="{28A0092B-C50C-407E-A947-70E740481C1C}">
                 <a14:useLocalDpi xmlns:a14="http://schemas.microsoft.com/office/drawing/2010/main" val="0"/>
@@ -4165,15 +4803,493 @@
         </p:blipFill>
         <p:spPr>
           <a:xfrm>
-            <a:off x="2076094" y="523081"/>
-            <a:ext cx="6912356" cy="5811838"/>
+            <a:off x="7321889" y="2627932"/>
+            <a:ext cx="4870111" cy="4094740"/>
           </a:xfrm>
         </p:spPr>
       </p:pic>
+      <p:sp>
+        <p:nvSpPr>
+          <p:cNvPr id="5" name="テキスト ボックス 4">
+            <a:extLst>
+              <a:ext uri="{FF2B5EF4-FFF2-40B4-BE49-F238E27FC236}">
+                <a16:creationId xmlns:a16="http://schemas.microsoft.com/office/drawing/2014/main" id="{007D0936-923F-A0AA-3ED8-A143197AABE8}"/>
+              </a:ext>
+            </a:extLst>
+          </p:cNvPr>
+          <p:cNvSpPr txBox="1"/>
+          <p:nvPr/>
+        </p:nvSpPr>
+        <p:spPr>
+          <a:xfrm>
+            <a:off x="2705230" y="1135688"/>
+            <a:ext cx="623889" cy="215444"/>
+          </a:xfrm>
+          <a:prstGeom prst="rect">
+            <a:avLst/>
+          </a:prstGeom>
+          <a:noFill/>
+        </p:spPr>
+        <p:txBody>
+          <a:bodyPr wrap="none" rtlCol="0">
+            <a:spAutoFit/>
+          </a:bodyPr>
+          <a:lstStyle/>
+          <a:p>
+            <a:r>
+              <a:rPr kumimoji="1" lang="en-US" altLang="ja-JP" sz="800" dirty="0"/>
+              <a:t>TCP SYN</a:t>
+            </a:r>
+            <a:endParaRPr kumimoji="1" lang="ja-JP" altLang="en-US" sz="800" dirty="0"/>
+          </a:p>
+        </p:txBody>
+      </p:sp>
+      <p:sp>
+        <p:nvSpPr>
+          <p:cNvPr id="6" name="テキスト ボックス 5">
+            <a:extLst>
+              <a:ext uri="{FF2B5EF4-FFF2-40B4-BE49-F238E27FC236}">
+                <a16:creationId xmlns:a16="http://schemas.microsoft.com/office/drawing/2014/main" id="{CCA11ECF-5CBC-2377-57B5-56E26A717661}"/>
+              </a:ext>
+            </a:extLst>
+          </p:cNvPr>
+          <p:cNvSpPr txBox="1"/>
+          <p:nvPr/>
+        </p:nvSpPr>
+        <p:spPr>
+          <a:xfrm>
+            <a:off x="2586780" y="1544902"/>
+            <a:ext cx="1638590" cy="584775"/>
+          </a:xfrm>
+          <a:prstGeom prst="rect">
+            <a:avLst/>
+          </a:prstGeom>
+          <a:noFill/>
+        </p:spPr>
+        <p:txBody>
+          <a:bodyPr wrap="none" rtlCol="0">
+            <a:spAutoFit/>
+          </a:bodyPr>
+          <a:lstStyle/>
+          <a:p>
+            <a:r>
+              <a:rPr kumimoji="1" lang="en-US" altLang="ja-JP" sz="800" dirty="0"/>
+              <a:t>&lt;Initialize&gt;&lt;0&gt;</a:t>
+            </a:r>
+          </a:p>
+          <a:p>
+            <a:r>
+              <a:rPr kumimoji="1" lang="en-US" altLang="ja-JP" sz="800" dirty="0"/>
+              <a:t>&lt;</a:t>
+            </a:r>
+            <a:r>
+              <a:rPr kumimoji="1" lang="en-US" altLang="ja-JP" sz="800" dirty="0" err="1"/>
+              <a:t>upper:client-protocol-version</a:t>
+            </a:r>
+            <a:endParaRPr kumimoji="1" lang="en-US" altLang="ja-JP" sz="800" dirty="0"/>
+          </a:p>
+          <a:p>
+            <a:r>
+              <a:rPr kumimoji="1" lang="en-US" altLang="ja-JP" sz="800" dirty="0"/>
+              <a:t> : lower :client-</a:t>
+            </a:r>
+            <a:r>
+              <a:rPr kumimoji="1" lang="en-US" altLang="ja-JP" sz="800" dirty="0" err="1"/>
+              <a:t>vendorID</a:t>
+            </a:r>
+            <a:r>
+              <a:rPr kumimoji="1" lang="en-US" altLang="ja-JP" sz="800" dirty="0"/>
+              <a:t>&gt;</a:t>
+            </a:r>
+          </a:p>
+          <a:p>
+            <a:r>
+              <a:rPr kumimoji="1" lang="en-US" altLang="ja-JP" sz="800" dirty="0"/>
+              <a:t>&lt;sub-address&gt;</a:t>
+            </a:r>
+            <a:endParaRPr kumimoji="1" lang="ja-JP" altLang="en-US" sz="800" dirty="0"/>
+          </a:p>
+        </p:txBody>
+      </p:sp>
+      <p:sp>
+        <p:nvSpPr>
+          <p:cNvPr id="7" name="テキスト ボックス 6">
+            <a:extLst>
+              <a:ext uri="{FF2B5EF4-FFF2-40B4-BE49-F238E27FC236}">
+                <a16:creationId xmlns:a16="http://schemas.microsoft.com/office/drawing/2014/main" id="{521BEEFC-5D08-66C1-C2ED-2CD5AFC4A3BB}"/>
+              </a:ext>
+            </a:extLst>
+          </p:cNvPr>
+          <p:cNvSpPr txBox="1"/>
+          <p:nvPr/>
+        </p:nvSpPr>
+        <p:spPr>
+          <a:xfrm>
+            <a:off x="2751411" y="2478268"/>
+            <a:ext cx="1726755" cy="584775"/>
+          </a:xfrm>
+          <a:prstGeom prst="rect">
+            <a:avLst/>
+          </a:prstGeom>
+          <a:noFill/>
+        </p:spPr>
+        <p:txBody>
+          <a:bodyPr wrap="none" rtlCol="0">
+            <a:spAutoFit/>
+          </a:bodyPr>
+          <a:lstStyle/>
+          <a:p>
+            <a:pPr algn="r"/>
+            <a:r>
+              <a:rPr kumimoji="1" lang="en-US" altLang="ja-JP" sz="800" dirty="0"/>
+              <a:t>&lt;InitializeResponse&gt;</a:t>
+            </a:r>
+          </a:p>
+          <a:p>
+            <a:pPr algn="r"/>
+            <a:r>
+              <a:rPr kumimoji="1" lang="en-US" altLang="ja-JP" sz="800" dirty="0"/>
+              <a:t>&lt;overlap-mode&gt;</a:t>
+            </a:r>
+          </a:p>
+          <a:p>
+            <a:pPr algn="r"/>
+            <a:r>
+              <a:rPr kumimoji="1" lang="en-US" altLang="ja-JP" sz="800" dirty="0"/>
+              <a:t>&lt;upper :server-protocol-version </a:t>
+            </a:r>
+          </a:p>
+          <a:p>
+            <a:pPr algn="r"/>
+            <a:r>
+              <a:rPr lang="en-US" altLang="ja-JP" sz="800" dirty="0"/>
+              <a:t>  </a:t>
+            </a:r>
+            <a:r>
+              <a:rPr kumimoji="1" lang="en-US" altLang="ja-JP" sz="800" dirty="0"/>
+              <a:t>: lower :SessionID&gt;&lt;0&gt;</a:t>
+            </a:r>
+            <a:endParaRPr kumimoji="1" lang="ja-JP" altLang="en-US" sz="800" dirty="0"/>
+          </a:p>
+        </p:txBody>
+      </p:sp>
+      <p:sp>
+        <p:nvSpPr>
+          <p:cNvPr id="9" name="テキスト ボックス 8">
+            <a:extLst>
+              <a:ext uri="{FF2B5EF4-FFF2-40B4-BE49-F238E27FC236}">
+                <a16:creationId xmlns:a16="http://schemas.microsoft.com/office/drawing/2014/main" id="{C9A3E488-09DF-748E-7A83-8A8018349E0E}"/>
+              </a:ext>
+            </a:extLst>
+          </p:cNvPr>
+          <p:cNvSpPr txBox="1"/>
+          <p:nvPr/>
+        </p:nvSpPr>
+        <p:spPr>
+          <a:xfrm>
+            <a:off x="2741749" y="3453242"/>
+            <a:ext cx="623889" cy="215444"/>
+          </a:xfrm>
+          <a:prstGeom prst="rect">
+            <a:avLst/>
+          </a:prstGeom>
+          <a:noFill/>
+        </p:spPr>
+        <p:txBody>
+          <a:bodyPr wrap="none" rtlCol="0">
+            <a:spAutoFit/>
+          </a:bodyPr>
+          <a:lstStyle/>
+          <a:p>
+            <a:r>
+              <a:rPr kumimoji="1" lang="en-US" altLang="ja-JP" sz="800" dirty="0"/>
+              <a:t>TCP SYN</a:t>
+            </a:r>
+            <a:endParaRPr kumimoji="1" lang="ja-JP" altLang="en-US" sz="800" dirty="0"/>
+          </a:p>
+        </p:txBody>
+      </p:sp>
+      <p:sp>
+        <p:nvSpPr>
+          <p:cNvPr id="10" name="テキスト ボックス 9">
+            <a:extLst>
+              <a:ext uri="{FF2B5EF4-FFF2-40B4-BE49-F238E27FC236}">
+                <a16:creationId xmlns:a16="http://schemas.microsoft.com/office/drawing/2014/main" id="{920ABE85-D980-26DC-9025-F97C5F151F8F}"/>
+              </a:ext>
+            </a:extLst>
+          </p:cNvPr>
+          <p:cNvSpPr txBox="1"/>
+          <p:nvPr/>
+        </p:nvSpPr>
+        <p:spPr>
+          <a:xfrm>
+            <a:off x="2593137" y="3974501"/>
+            <a:ext cx="1218602" cy="338554"/>
+          </a:xfrm>
+          <a:prstGeom prst="rect">
+            <a:avLst/>
+          </a:prstGeom>
+          <a:noFill/>
+        </p:spPr>
+        <p:txBody>
+          <a:bodyPr wrap="none" rtlCol="0">
+            <a:spAutoFit/>
+          </a:bodyPr>
+          <a:lstStyle/>
+          <a:p>
+            <a:r>
+              <a:rPr kumimoji="1" lang="en-US" altLang="ja-JP" sz="800" dirty="0"/>
+              <a:t>&lt;AsyncInitialize&gt;&lt;0&gt;</a:t>
+            </a:r>
+          </a:p>
+          <a:p>
+            <a:r>
+              <a:rPr kumimoji="1" lang="en-US" altLang="ja-JP" sz="800" dirty="0"/>
+              <a:t>&lt;SessionID&gt;&lt;0&gt;</a:t>
+            </a:r>
+            <a:endParaRPr kumimoji="1" lang="ja-JP" altLang="en-US" sz="800" dirty="0"/>
+          </a:p>
+        </p:txBody>
+      </p:sp>
+      <p:sp>
+        <p:nvSpPr>
+          <p:cNvPr id="13" name="テキスト ボックス 12">
+            <a:extLst>
+              <a:ext uri="{FF2B5EF4-FFF2-40B4-BE49-F238E27FC236}">
+                <a16:creationId xmlns:a16="http://schemas.microsoft.com/office/drawing/2014/main" id="{FBC602C6-01AC-BBA8-175F-4F0F7FA3DA35}"/>
+              </a:ext>
+            </a:extLst>
+          </p:cNvPr>
+          <p:cNvSpPr txBox="1"/>
+          <p:nvPr/>
+        </p:nvSpPr>
+        <p:spPr>
+          <a:xfrm>
+            <a:off x="2798875" y="4680396"/>
+            <a:ext cx="1685077" cy="338554"/>
+          </a:xfrm>
+          <a:prstGeom prst="rect">
+            <a:avLst/>
+          </a:prstGeom>
+          <a:noFill/>
+        </p:spPr>
+        <p:txBody>
+          <a:bodyPr wrap="none" rtlCol="0">
+            <a:spAutoFit/>
+          </a:bodyPr>
+          <a:lstStyle/>
+          <a:p>
+            <a:pPr algn="r"/>
+            <a:r>
+              <a:rPr kumimoji="1" lang="en-US" altLang="ja-JP" sz="800" dirty="0"/>
+              <a:t>&lt;AsyncInitializeResponse&gt;&lt;0&gt;</a:t>
+            </a:r>
+          </a:p>
+          <a:p>
+            <a:pPr algn="r"/>
+            <a:r>
+              <a:rPr kumimoji="1" lang="en-US" altLang="ja-JP" sz="800" dirty="0"/>
+              <a:t>&lt;server-</a:t>
+            </a:r>
+            <a:r>
+              <a:rPr kumimoji="1" lang="en-US" altLang="ja-JP" sz="800" dirty="0" err="1"/>
+              <a:t>vendorID</a:t>
+            </a:r>
+            <a:r>
+              <a:rPr kumimoji="1" lang="en-US" altLang="ja-JP" sz="800" dirty="0"/>
+              <a:t>&gt;&lt;0&gt;</a:t>
+            </a:r>
+            <a:endParaRPr kumimoji="1" lang="ja-JP" altLang="en-US" sz="800" dirty="0"/>
+          </a:p>
+        </p:txBody>
+      </p:sp>
+      <p:cxnSp>
+        <p:nvCxnSpPr>
+          <p:cNvPr id="14" name="直線矢印コネクタ 13">
+            <a:extLst>
+              <a:ext uri="{FF2B5EF4-FFF2-40B4-BE49-F238E27FC236}">
+                <a16:creationId xmlns:a16="http://schemas.microsoft.com/office/drawing/2014/main" id="{35A5C844-18BE-AB70-4697-EB5C7532AF8B}"/>
+              </a:ext>
+            </a:extLst>
+          </p:cNvPr>
+          <p:cNvCxnSpPr>
+            <a:cxnSpLocks/>
+          </p:cNvCxnSpPr>
+          <p:nvPr/>
+        </p:nvCxnSpPr>
+        <p:spPr>
+          <a:xfrm>
+            <a:off x="2606900" y="4310003"/>
+            <a:ext cx="1800000" cy="144000"/>
+          </a:xfrm>
+          <a:prstGeom prst="straightConnector1">
+            <a:avLst/>
+          </a:prstGeom>
+          <a:ln>
+            <a:solidFill>
+              <a:schemeClr val="tx1"/>
+            </a:solidFill>
+            <a:prstDash val="dash"/>
+            <a:headEnd type="none" w="med" len="med"/>
+            <a:tailEnd type="triangle" w="med" len="med"/>
+          </a:ln>
+        </p:spPr>
+        <p:style>
+          <a:lnRef idx="1">
+            <a:schemeClr val="accent1"/>
+          </a:lnRef>
+          <a:fillRef idx="0">
+            <a:schemeClr val="accent1"/>
+          </a:fillRef>
+          <a:effectRef idx="0">
+            <a:schemeClr val="accent1"/>
+          </a:effectRef>
+          <a:fontRef idx="minor">
+            <a:schemeClr val="tx1"/>
+          </a:fontRef>
+        </p:style>
+      </p:cxnSp>
+      <p:cxnSp>
+        <p:nvCxnSpPr>
+          <p:cNvPr id="17" name="直線矢印コネクタ 16">
+            <a:extLst>
+              <a:ext uri="{FF2B5EF4-FFF2-40B4-BE49-F238E27FC236}">
+                <a16:creationId xmlns:a16="http://schemas.microsoft.com/office/drawing/2014/main" id="{B92707D9-D2CF-D7E8-7590-00992C1CA780}"/>
+              </a:ext>
+            </a:extLst>
+          </p:cNvPr>
+          <p:cNvCxnSpPr>
+            <a:cxnSpLocks/>
+          </p:cNvCxnSpPr>
+          <p:nvPr/>
+        </p:nvCxnSpPr>
+        <p:spPr>
+          <a:xfrm flipH="1">
+            <a:off x="2606900" y="5030250"/>
+            <a:ext cx="1800000" cy="144000"/>
+          </a:xfrm>
+          <a:prstGeom prst="straightConnector1">
+            <a:avLst/>
+          </a:prstGeom>
+          <a:ln>
+            <a:solidFill>
+              <a:schemeClr val="tx1"/>
+            </a:solidFill>
+            <a:prstDash val="dash"/>
+            <a:headEnd type="none" w="med" len="med"/>
+            <a:tailEnd type="triangle" w="med" len="med"/>
+          </a:ln>
+        </p:spPr>
+        <p:style>
+          <a:lnRef idx="1">
+            <a:schemeClr val="accent1"/>
+          </a:lnRef>
+          <a:fillRef idx="0">
+            <a:schemeClr val="accent1"/>
+          </a:fillRef>
+          <a:effectRef idx="0">
+            <a:schemeClr val="accent1"/>
+          </a:effectRef>
+          <a:fontRef idx="minor">
+            <a:schemeClr val="tx1"/>
+          </a:fontRef>
+        </p:style>
+      </p:cxnSp>
+      <p:sp>
+        <p:nvSpPr>
+          <p:cNvPr id="18" name="テキスト ボックス 17">
+            <a:extLst>
+              <a:ext uri="{FF2B5EF4-FFF2-40B4-BE49-F238E27FC236}">
+                <a16:creationId xmlns:a16="http://schemas.microsoft.com/office/drawing/2014/main" id="{13A7C8B5-6C94-F463-B38A-42AEE12B1412}"/>
+              </a:ext>
+            </a:extLst>
+          </p:cNvPr>
+          <p:cNvSpPr txBox="1"/>
+          <p:nvPr/>
+        </p:nvSpPr>
+        <p:spPr>
+          <a:xfrm>
+            <a:off x="1752671" y="4166559"/>
+            <a:ext cx="865943" cy="215444"/>
+          </a:xfrm>
+          <a:prstGeom prst="rect">
+            <a:avLst/>
+          </a:prstGeom>
+          <a:noFill/>
+        </p:spPr>
+        <p:txBody>
+          <a:bodyPr wrap="none" rtlCol="0">
+            <a:spAutoFit/>
+          </a:bodyPr>
+          <a:lstStyle/>
+          <a:p>
+            <a:pPr algn="r"/>
+            <a:r>
+              <a:rPr kumimoji="1" lang="en-US" altLang="ja-JP" sz="800" dirty="0"/>
+              <a:t>AsyncInitialize</a:t>
+            </a:r>
+            <a:endParaRPr kumimoji="1" lang="ja-JP" altLang="en-US" sz="800" dirty="0"/>
+          </a:p>
+        </p:txBody>
+      </p:sp>
+      <p:sp>
+        <p:nvSpPr>
+          <p:cNvPr id="19" name="テキスト ボックス 18">
+            <a:extLst>
+              <a:ext uri="{FF2B5EF4-FFF2-40B4-BE49-F238E27FC236}">
+                <a16:creationId xmlns:a16="http://schemas.microsoft.com/office/drawing/2014/main" id="{AC6462BE-62A4-DADF-35BC-3B2098D29311}"/>
+              </a:ext>
+            </a:extLst>
+          </p:cNvPr>
+          <p:cNvSpPr txBox="1"/>
+          <p:nvPr/>
+        </p:nvSpPr>
+        <p:spPr>
+          <a:xfrm>
+            <a:off x="4537596" y="4732452"/>
+            <a:ext cx="1378904" cy="338554"/>
+          </a:xfrm>
+          <a:prstGeom prst="rect">
+            <a:avLst/>
+          </a:prstGeom>
+          <a:noFill/>
+        </p:spPr>
+        <p:txBody>
+          <a:bodyPr wrap="none" rtlCol="0">
+            <a:spAutoFit/>
+          </a:bodyPr>
+          <a:lstStyle/>
+          <a:p>
+            <a:r>
+              <a:rPr kumimoji="1" lang="en-US" altLang="ja-JP" sz="800" dirty="0"/>
+              <a:t>AsyncInitialize</a:t>
+            </a:r>
+            <a:r>
+              <a:rPr kumimoji="1" lang="ja-JP" altLang="en-US" sz="800" dirty="0"/>
+              <a:t>に応答して</a:t>
+            </a:r>
+            <a:endParaRPr kumimoji="1" lang="en-US" altLang="ja-JP" sz="800" dirty="0"/>
+          </a:p>
+          <a:p>
+            <a:r>
+              <a:rPr lang="ja-JP" altLang="en-US" sz="800" dirty="0"/>
+              <a:t>ベンダー</a:t>
+            </a:r>
+            <a:r>
+              <a:rPr lang="en-US" altLang="ja-JP" sz="800" dirty="0"/>
+              <a:t>ID</a:t>
+            </a:r>
+            <a:r>
+              <a:rPr kumimoji="1" lang="ja-JP" altLang="en-US" sz="800" dirty="0"/>
+              <a:t>を返す</a:t>
+            </a:r>
+          </a:p>
+        </p:txBody>
+      </p:sp>
     </p:spTree>
     <p:extLst>
       <p:ext uri="{BB962C8B-B14F-4D97-AF65-F5344CB8AC3E}">
-        <p14:creationId xmlns:p14="http://schemas.microsoft.com/office/powerpoint/2010/main" val="2332768762"/>
+        <p14:creationId xmlns:p14="http://schemas.microsoft.com/office/powerpoint/2010/main" val="2937838769"/>
       </p:ext>
     </p:extLst>
   </p:cSld>
@@ -4200,31 +5316,6 @@
           <a:chExt cx="0" cy="0"/>
         </a:xfrm>
       </p:grpSpPr>
-      <p:sp>
-        <p:nvSpPr>
-          <p:cNvPr id="2" name="タイトル 1">
-            <a:extLst>
-              <a:ext uri="{FF2B5EF4-FFF2-40B4-BE49-F238E27FC236}">
-                <a16:creationId xmlns:a16="http://schemas.microsoft.com/office/drawing/2014/main" id="{CDF2592E-411E-A376-17BC-18CCA16CC608}"/>
-              </a:ext>
-            </a:extLst>
-          </p:cNvPr>
-          <p:cNvSpPr>
-            <a:spLocks noGrp="1"/>
-          </p:cNvSpPr>
-          <p:nvPr>
-            <p:ph type="title"/>
-          </p:nvPr>
-        </p:nvSpPr>
-        <p:spPr/>
-        <p:txBody>
-          <a:bodyPr/>
-          <a:lstStyle/>
-          <a:p>
-            <a:endParaRPr kumimoji="1" lang="ja-JP" altLang="en-US"/>
-          </a:p>
-        </p:txBody>
-      </p:sp>
       <p:pic>
         <p:nvPicPr>
           <p:cNvPr id="5" name="コンテンツ プレースホルダー 4">
@@ -4255,84 +5346,27 @@
         </p:blipFill>
         <p:spPr>
           <a:xfrm>
-            <a:off x="3295870" y="1825625"/>
-            <a:ext cx="5600259" cy="4351338"/>
+            <a:off x="7696200" y="153210"/>
+            <a:ext cx="4381500" cy="3404376"/>
           </a:xfrm>
         </p:spPr>
       </p:pic>
-    </p:spTree>
-    <p:extLst>
-      <p:ext uri="{BB962C8B-B14F-4D97-AF65-F5344CB8AC3E}">
-        <p14:creationId xmlns:p14="http://schemas.microsoft.com/office/powerpoint/2010/main" val="784857051"/>
-      </p:ext>
-    </p:extLst>
-  </p:cSld>
-  <p:clrMapOvr>
-    <a:masterClrMapping/>
-  </p:clrMapOvr>
-</p:sld>
-</file>
-
-<file path=ppt/slides/slide3.xml><?xml version="1.0" encoding="utf-8"?>
-<p:sld xmlns:a="http://schemas.openxmlformats.org/drawingml/2006/main" xmlns:r="http://schemas.openxmlformats.org/officeDocument/2006/relationships" xmlns:p="http://schemas.openxmlformats.org/presentationml/2006/main">
-  <p:cSld>
-    <p:spTree>
-      <p:nvGrpSpPr>
-        <p:cNvPr id="1" name=""/>
-        <p:cNvGrpSpPr/>
-        <p:nvPr/>
-      </p:nvGrpSpPr>
-      <p:grpSpPr>
-        <a:xfrm>
-          <a:off x="0" y="0"/>
-          <a:ext cx="0" cy="0"/>
-          <a:chOff x="0" y="0"/>
-          <a:chExt cx="0" cy="0"/>
-        </a:xfrm>
-      </p:grpSpPr>
-      <p:sp>
-        <p:nvSpPr>
-          <p:cNvPr id="2" name="タイトル 1">
-            <a:extLst>
-              <a:ext uri="{FF2B5EF4-FFF2-40B4-BE49-F238E27FC236}">
-                <a16:creationId xmlns:a16="http://schemas.microsoft.com/office/drawing/2014/main" id="{4ADB2E30-4740-9B21-2A18-73D4E73D3261}"/>
-              </a:ext>
-            </a:extLst>
-          </p:cNvPr>
-          <p:cNvSpPr>
-            <a:spLocks noGrp="1"/>
-          </p:cNvSpPr>
-          <p:nvPr>
-            <p:ph type="title"/>
-          </p:nvPr>
-        </p:nvSpPr>
-        <p:spPr/>
-        <p:txBody>
-          <a:bodyPr/>
-          <a:lstStyle/>
-          <a:p>
-            <a:endParaRPr kumimoji="1" lang="ja-JP" altLang="en-US"/>
-          </a:p>
-        </p:txBody>
-      </p:sp>
       <p:pic>
         <p:nvPicPr>
-          <p:cNvPr id="5" name="コンテンツ プレースホルダー 4">
-            <a:extLst>
-              <a:ext uri="{FF2B5EF4-FFF2-40B4-BE49-F238E27FC236}">
-                <a16:creationId xmlns:a16="http://schemas.microsoft.com/office/drawing/2014/main" id="{1D9F9F14-541B-5974-CB8F-912250AF42FD}"/>
+          <p:cNvPr id="3" name="コンテンツ プレースホルダー 4">
+            <a:extLst>
+              <a:ext uri="{FF2B5EF4-FFF2-40B4-BE49-F238E27FC236}">
+                <a16:creationId xmlns:a16="http://schemas.microsoft.com/office/drawing/2014/main" id="{17535141-0DE8-A812-0CF0-3C591A7974D3}"/>
               </a:ext>
             </a:extLst>
           </p:cNvPr>
           <p:cNvPicPr>
-            <a:picLocks noGrp="1" noChangeAspect="1"/>
+            <a:picLocks noChangeAspect="1"/>
           </p:cNvPicPr>
-          <p:nvPr>
-            <p:ph idx="1"/>
-          </p:nvPr>
+          <p:nvPr/>
         </p:nvPicPr>
         <p:blipFill>
-          <a:blip r:embed="rId2">
+          <a:blip r:embed="rId3">
             <a:extLst>
               <a:ext uri="{28A0092B-C50C-407E-A947-70E740481C1C}">
                 <a14:useLocalDpi xmlns:a14="http://schemas.microsoft.com/office/drawing/2010/main" val="0"/>
@@ -4345,47 +5379,20 @@
         </p:blipFill>
         <p:spPr>
           <a:xfrm>
-            <a:off x="3305199" y="1825625"/>
-            <a:ext cx="5581602" cy="4351338"/>
-          </a:xfrm>
+            <a:off x="7896225" y="3538536"/>
+            <a:ext cx="4181475" cy="3259818"/>
+          </a:xfrm>
+          <a:prstGeom prst="rect">
+            <a:avLst/>
+          </a:prstGeom>
         </p:spPr>
       </p:pic>
-    </p:spTree>
-    <p:extLst>
-      <p:ext uri="{BB962C8B-B14F-4D97-AF65-F5344CB8AC3E}">
-        <p14:creationId xmlns:p14="http://schemas.microsoft.com/office/powerpoint/2010/main" val="1678537264"/>
-      </p:ext>
-    </p:extLst>
-  </p:cSld>
-  <p:clrMapOvr>
-    <a:masterClrMapping/>
-  </p:clrMapOvr>
-</p:sld>
-</file>
-
-<file path=ppt/slides/slide4.xml><?xml version="1.0" encoding="utf-8"?>
-<p:sld xmlns:a="http://schemas.openxmlformats.org/drawingml/2006/main" xmlns:r="http://schemas.openxmlformats.org/officeDocument/2006/relationships" xmlns:p="http://schemas.openxmlformats.org/presentationml/2006/main">
-  <p:cSld>
-    <p:spTree>
-      <p:nvGrpSpPr>
-        <p:cNvPr id="1" name=""/>
-        <p:cNvGrpSpPr/>
-        <p:nvPr/>
-      </p:nvGrpSpPr>
-      <p:grpSpPr>
-        <a:xfrm>
-          <a:off x="0" y="0"/>
-          <a:ext cx="0" cy="0"/>
-          <a:chOff x="0" y="0"/>
-          <a:chExt cx="0" cy="0"/>
-        </a:xfrm>
-      </p:grpSpPr>
-      <p:sp>
-        <p:nvSpPr>
-          <p:cNvPr id="2" name="正方形/長方形 1">
-            <a:extLst>
-              <a:ext uri="{FF2B5EF4-FFF2-40B4-BE49-F238E27FC236}">
-                <a16:creationId xmlns:a16="http://schemas.microsoft.com/office/drawing/2014/main" id="{69A5C45D-BED6-7954-811F-29A228CC598F}"/>
+      <p:sp>
+        <p:nvSpPr>
+          <p:cNvPr id="4" name="正方形/長方形 3">
+            <a:extLst>
+              <a:ext uri="{FF2B5EF4-FFF2-40B4-BE49-F238E27FC236}">
+                <a16:creationId xmlns:a16="http://schemas.microsoft.com/office/drawing/2014/main" id="{F3BB6A60-5D99-9A0E-D081-621925ECB7AC}"/>
               </a:ext>
             </a:extLst>
           </p:cNvPr>
@@ -4394,7 +5401,7 @@
         </p:nvSpPr>
         <p:spPr>
           <a:xfrm>
-            <a:off x="4150728" y="1131861"/>
+            <a:off x="2042614" y="201758"/>
             <a:ext cx="1152000" cy="288000"/>
           </a:xfrm>
           <a:prstGeom prst="rect">
@@ -4431,12 +5438,20 @@
           <a:p>
             <a:pPr algn="ctr"/>
             <a:r>
+              <a:rPr lang="en-US" altLang="ja-JP" sz="800" dirty="0">
+                <a:solidFill>
+                  <a:schemeClr val="tx1"/>
+                </a:solidFill>
+              </a:rPr>
+              <a:t>HiSLIP</a:t>
+            </a:r>
+            <a:r>
               <a:rPr kumimoji="1" lang="en-US" altLang="ja-JP" sz="800" dirty="0">
                 <a:solidFill>
                   <a:schemeClr val="tx1"/>
                 </a:solidFill>
               </a:rPr>
-              <a:t>VXI-11 </a:t>
+              <a:t> </a:t>
             </a:r>
             <a:r>
               <a:rPr kumimoji="1" lang="ja-JP" altLang="en-US" sz="800" dirty="0">
@@ -4451,23 +5466,23 @@
       </p:sp>
       <p:cxnSp>
         <p:nvCxnSpPr>
-          <p:cNvPr id="4" name="直線コネクタ 3">
-            <a:extLst>
-              <a:ext uri="{FF2B5EF4-FFF2-40B4-BE49-F238E27FC236}">
-                <a16:creationId xmlns:a16="http://schemas.microsoft.com/office/drawing/2014/main" id="{0856E90C-C268-A21D-09C7-A7F0F30E705C}"/>
+          <p:cNvPr id="6" name="直線コネクタ 5">
+            <a:extLst>
+              <a:ext uri="{FF2B5EF4-FFF2-40B4-BE49-F238E27FC236}">
+                <a16:creationId xmlns:a16="http://schemas.microsoft.com/office/drawing/2014/main" id="{4ACDD976-15C6-F75A-98BB-0E5218E5542C}"/>
               </a:ext>
             </a:extLst>
           </p:cNvPr>
           <p:cNvCxnSpPr>
             <a:cxnSpLocks/>
-            <a:stCxn id="2" idx="2"/>
+            <a:stCxn id="4" idx="2"/>
           </p:cNvCxnSpPr>
           <p:nvPr/>
         </p:nvCxnSpPr>
         <p:spPr>
           <a:xfrm>
-            <a:off x="4726728" y="1419861"/>
-            <a:ext cx="0" cy="2880000"/>
+            <a:off x="2618614" y="489758"/>
+            <a:ext cx="0" cy="4212000"/>
           </a:xfrm>
           <a:prstGeom prst="line">
             <a:avLst/>
@@ -4495,10 +5510,10 @@
       </p:cxnSp>
       <p:cxnSp>
         <p:nvCxnSpPr>
-          <p:cNvPr id="8" name="直線矢印コネクタ 7">
-            <a:extLst>
-              <a:ext uri="{FF2B5EF4-FFF2-40B4-BE49-F238E27FC236}">
-                <a16:creationId xmlns:a16="http://schemas.microsoft.com/office/drawing/2014/main" id="{A55D928F-5A63-0600-02D0-C9D215FF91B4}"/>
+          <p:cNvPr id="7" name="直線矢印コネクタ 6">
+            <a:extLst>
+              <a:ext uri="{FF2B5EF4-FFF2-40B4-BE49-F238E27FC236}">
+                <a16:creationId xmlns:a16="http://schemas.microsoft.com/office/drawing/2014/main" id="{65F0C71E-2B02-FE64-A200-984630015F99}"/>
               </a:ext>
             </a:extLst>
           </p:cNvPr>
@@ -4509,8 +5524,8 @@
         </p:nvCxnSpPr>
         <p:spPr>
           <a:xfrm>
-            <a:off x="4751880" y="3183993"/>
-            <a:ext cx="1260000" cy="144000"/>
+            <a:off x="2632687" y="1381711"/>
+            <a:ext cx="1800000" cy="144000"/>
           </a:xfrm>
           <a:prstGeom prst="straightConnector1">
             <a:avLst/>
@@ -4539,89 +5554,10 @@
       </p:cxnSp>
       <p:sp>
         <p:nvSpPr>
-          <p:cNvPr id="11" name="テキスト ボックス 10">
-            <a:extLst>
-              <a:ext uri="{FF2B5EF4-FFF2-40B4-BE49-F238E27FC236}">
-                <a16:creationId xmlns:a16="http://schemas.microsoft.com/office/drawing/2014/main" id="{D68683F9-4522-822A-8AC6-B547E9311D15}"/>
-              </a:ext>
-            </a:extLst>
-          </p:cNvPr>
-          <p:cNvSpPr txBox="1"/>
-          <p:nvPr/>
-        </p:nvSpPr>
-        <p:spPr>
-          <a:xfrm>
-            <a:off x="6055773" y="1617403"/>
-            <a:ext cx="2238113" cy="215444"/>
-          </a:xfrm>
-          <a:prstGeom prst="rect">
-            <a:avLst/>
-          </a:prstGeom>
-          <a:noFill/>
-        </p:spPr>
-        <p:txBody>
-          <a:bodyPr wrap="none" rtlCol="0">
-            <a:spAutoFit/>
-          </a:bodyPr>
-          <a:lstStyle/>
-          <a:p>
-            <a:r>
-              <a:rPr kumimoji="1" lang="en-US" altLang="ja-JP" sz="800" dirty="0"/>
-              <a:t>RPC</a:t>
-            </a:r>
-            <a:r>
-              <a:rPr kumimoji="1" lang="ja-JP" altLang="en-US" sz="800" dirty="0"/>
-              <a:t>サーバーの作成（アボートチャンネル）</a:t>
-            </a:r>
-          </a:p>
-        </p:txBody>
-      </p:sp>
-      <p:sp>
-        <p:nvSpPr>
-          <p:cNvPr id="12" name="テキスト ボックス 11">
-            <a:extLst>
-              <a:ext uri="{FF2B5EF4-FFF2-40B4-BE49-F238E27FC236}">
-                <a16:creationId xmlns:a16="http://schemas.microsoft.com/office/drawing/2014/main" id="{06D91405-FA91-0CDC-00A5-A4156909B9A3}"/>
-              </a:ext>
-            </a:extLst>
-          </p:cNvPr>
-          <p:cNvSpPr txBox="1"/>
-          <p:nvPr/>
-        </p:nvSpPr>
-        <p:spPr>
-          <a:xfrm>
-            <a:off x="1866961" y="3978315"/>
-            <a:ext cx="2853666" cy="215444"/>
-          </a:xfrm>
-          <a:prstGeom prst="rect">
-            <a:avLst/>
-          </a:prstGeom>
-          <a:noFill/>
-        </p:spPr>
-        <p:txBody>
-          <a:bodyPr wrap="none" rtlCol="0">
-            <a:spAutoFit/>
-          </a:bodyPr>
-          <a:lstStyle/>
-          <a:p>
-            <a:r>
-              <a:rPr lang="en-US" altLang="ja-JP" sz="800" dirty="0"/>
-              <a:t>RPC</a:t>
-            </a:r>
-            <a:r>
-              <a:rPr lang="ja-JP" altLang="en-US" sz="800" dirty="0"/>
-              <a:t>クライアント（中断チャンネル、オプション）の作成</a:t>
-            </a:r>
-            <a:endParaRPr kumimoji="1" lang="ja-JP" altLang="en-US" sz="800" dirty="0"/>
-          </a:p>
-        </p:txBody>
-      </p:sp>
-      <p:sp>
-        <p:nvSpPr>
-          <p:cNvPr id="15" name="正方形/長方形 14">
-            <a:extLst>
-              <a:ext uri="{FF2B5EF4-FFF2-40B4-BE49-F238E27FC236}">
-                <a16:creationId xmlns:a16="http://schemas.microsoft.com/office/drawing/2014/main" id="{BD4CE7FD-838D-AD35-81FB-95C5BFECA3B7}"/>
+          <p:cNvPr id="10" name="正方形/長方形 9">
+            <a:extLst>
+              <a:ext uri="{FF2B5EF4-FFF2-40B4-BE49-F238E27FC236}">
+                <a16:creationId xmlns:a16="http://schemas.microsoft.com/office/drawing/2014/main" id="{B47391D7-D118-2DAC-7496-08ED5499D5E4}"/>
               </a:ext>
             </a:extLst>
           </p:cNvPr>
@@ -4630,7 +5566,7 @@
         </p:nvSpPr>
         <p:spPr>
           <a:xfrm>
-            <a:off x="5447664" y="1131861"/>
+            <a:off x="3882475" y="201758"/>
             <a:ext cx="1152000" cy="288000"/>
           </a:xfrm>
           <a:prstGeom prst="rect">
@@ -4672,7 +5608,7 @@
                   <a:schemeClr val="tx1"/>
                 </a:solidFill>
               </a:rPr>
-              <a:t>VXI-11 </a:t>
+              <a:t>HiSLIP </a:t>
             </a:r>
             <a:r>
               <a:rPr lang="ja-JP" altLang="en-US" sz="800" dirty="0">
@@ -4692,23 +5628,23 @@
       </p:sp>
       <p:cxnSp>
         <p:nvCxnSpPr>
-          <p:cNvPr id="16" name="直線コネクタ 15">
-            <a:extLst>
-              <a:ext uri="{FF2B5EF4-FFF2-40B4-BE49-F238E27FC236}">
-                <a16:creationId xmlns:a16="http://schemas.microsoft.com/office/drawing/2014/main" id="{52B06D54-D847-599A-A63D-9D075602454D}"/>
+          <p:cNvPr id="11" name="直線コネクタ 10">
+            <a:extLst>
+              <a:ext uri="{FF2B5EF4-FFF2-40B4-BE49-F238E27FC236}">
+                <a16:creationId xmlns:a16="http://schemas.microsoft.com/office/drawing/2014/main" id="{470348FB-6C84-B9A6-B20C-FAA6D7C6999E}"/>
               </a:ext>
             </a:extLst>
           </p:cNvPr>
           <p:cNvCxnSpPr>
             <a:cxnSpLocks/>
-            <a:stCxn id="15" idx="2"/>
+            <a:stCxn id="10" idx="2"/>
           </p:cNvCxnSpPr>
           <p:nvPr/>
         </p:nvCxnSpPr>
         <p:spPr>
           <a:xfrm>
-            <a:off x="6023664" y="1419861"/>
-            <a:ext cx="0" cy="2880000"/>
+            <a:off x="4458475" y="489758"/>
+            <a:ext cx="0" cy="4212000"/>
           </a:xfrm>
           <a:prstGeom prst="line">
             <a:avLst/>
@@ -4736,10 +5672,10 @@
       </p:cxnSp>
       <p:cxnSp>
         <p:nvCxnSpPr>
-          <p:cNvPr id="29" name="直線矢印コネクタ 28">
-            <a:extLst>
-              <a:ext uri="{FF2B5EF4-FFF2-40B4-BE49-F238E27FC236}">
-                <a16:creationId xmlns:a16="http://schemas.microsoft.com/office/drawing/2014/main" id="{B354946A-18B9-64BF-F00C-84AA8E2C81C6}"/>
+          <p:cNvPr id="13" name="直線矢印コネクタ 12">
+            <a:extLst>
+              <a:ext uri="{FF2B5EF4-FFF2-40B4-BE49-F238E27FC236}">
+                <a16:creationId xmlns:a16="http://schemas.microsoft.com/office/drawing/2014/main" id="{59316009-562A-666D-AE6E-ED89CA1981E8}"/>
               </a:ext>
             </a:extLst>
           </p:cNvPr>
@@ -4750,8 +5686,8 @@
         </p:nvCxnSpPr>
         <p:spPr>
           <a:xfrm>
-            <a:off x="4751880" y="2742589"/>
-            <a:ext cx="1260000" cy="144000"/>
+            <a:off x="2632687" y="2197180"/>
+            <a:ext cx="1800000" cy="144000"/>
           </a:xfrm>
           <a:prstGeom prst="straightConnector1">
             <a:avLst/>
@@ -4760,7 +5696,9 @@
             <a:solidFill>
               <a:schemeClr val="tx1"/>
             </a:solidFill>
-            <a:tailEnd type="triangle"/>
+            <a:prstDash val="solid"/>
+            <a:headEnd type="none" w="med" len="med"/>
+            <a:tailEnd type="triangle" w="med" len="med"/>
           </a:ln>
         </p:spPr>
         <p:style>
@@ -4778,12 +5716,110 @@
           </a:fontRef>
         </p:style>
       </p:cxnSp>
+      <p:sp>
+        <p:nvSpPr>
+          <p:cNvPr id="14" name="テキスト ボックス 13">
+            <a:extLst>
+              <a:ext uri="{FF2B5EF4-FFF2-40B4-BE49-F238E27FC236}">
+                <a16:creationId xmlns:a16="http://schemas.microsoft.com/office/drawing/2014/main" id="{D5A2765E-4927-AC24-5111-45532D88E267}"/>
+              </a:ext>
+            </a:extLst>
+          </p:cNvPr>
+          <p:cNvSpPr txBox="1"/>
+          <p:nvPr/>
+        </p:nvSpPr>
+        <p:spPr>
+          <a:xfrm>
+            <a:off x="5754316" y="3000400"/>
+            <a:ext cx="1313180" cy="461665"/>
+          </a:xfrm>
+          <a:prstGeom prst="rect">
+            <a:avLst/>
+          </a:prstGeom>
+          <a:noFill/>
+        </p:spPr>
+        <p:txBody>
+          <a:bodyPr wrap="none" rtlCol="0">
+            <a:spAutoFit/>
+          </a:bodyPr>
+          <a:lstStyle/>
+          <a:p>
+            <a:r>
+              <a:rPr kumimoji="1" lang="en-US" altLang="ja-JP" sz="800" dirty="0"/>
+              <a:t>Initialize</a:t>
+            </a:r>
+            <a:r>
+              <a:rPr kumimoji="1" lang="ja-JP" altLang="en-US" sz="800" dirty="0"/>
+              <a:t>に応答して</a:t>
+            </a:r>
+            <a:endParaRPr kumimoji="1" lang="en-US" altLang="ja-JP" sz="800" dirty="0"/>
+          </a:p>
+          <a:p>
+            <a:r>
+              <a:rPr lang="ja-JP" altLang="en-US" sz="800" dirty="0"/>
+              <a:t>プロトコルバージョンと</a:t>
+            </a:r>
+            <a:endParaRPr lang="en-US" altLang="ja-JP" sz="800" dirty="0"/>
+          </a:p>
+          <a:p>
+            <a:r>
+              <a:rPr lang="ja-JP" altLang="en-US" sz="800" dirty="0"/>
+              <a:t>セッション</a:t>
+            </a:r>
+            <a:r>
+              <a:rPr lang="en-US" altLang="ja-JP" sz="800" dirty="0"/>
+              <a:t>ID</a:t>
+            </a:r>
+            <a:r>
+              <a:rPr kumimoji="1" lang="ja-JP" altLang="en-US" sz="800" dirty="0"/>
+              <a:t>を返す</a:t>
+            </a:r>
+          </a:p>
+        </p:txBody>
+      </p:sp>
+      <p:sp>
+        <p:nvSpPr>
+          <p:cNvPr id="16" name="テキスト ボックス 15">
+            <a:extLst>
+              <a:ext uri="{FF2B5EF4-FFF2-40B4-BE49-F238E27FC236}">
+                <a16:creationId xmlns:a16="http://schemas.microsoft.com/office/drawing/2014/main" id="{D9CF9FEA-6158-6924-CE36-83EECC5730D1}"/>
+              </a:ext>
+            </a:extLst>
+          </p:cNvPr>
+          <p:cNvSpPr txBox="1"/>
+          <p:nvPr/>
+        </p:nvSpPr>
+        <p:spPr>
+          <a:xfrm>
+            <a:off x="608634" y="3538536"/>
+            <a:ext cx="582211" cy="215444"/>
+          </a:xfrm>
+          <a:prstGeom prst="rect">
+            <a:avLst/>
+          </a:prstGeom>
+          <a:noFill/>
+        </p:spPr>
+        <p:txBody>
+          <a:bodyPr wrap="none" rtlCol="0">
+            <a:spAutoFit/>
+          </a:bodyPr>
+          <a:lstStyle/>
+          <a:p>
+            <a:pPr algn="r"/>
+            <a:r>
+              <a:rPr kumimoji="1" lang="en-US" altLang="ja-JP" sz="800" dirty="0"/>
+              <a:t>Initialize</a:t>
+            </a:r>
+            <a:endParaRPr kumimoji="1" lang="ja-JP" altLang="en-US" sz="800" dirty="0"/>
+          </a:p>
+        </p:txBody>
+      </p:sp>
       <p:cxnSp>
         <p:nvCxnSpPr>
-          <p:cNvPr id="30" name="直線矢印コネクタ 29">
-            <a:extLst>
-              <a:ext uri="{FF2B5EF4-FFF2-40B4-BE49-F238E27FC236}">
-                <a16:creationId xmlns:a16="http://schemas.microsoft.com/office/drawing/2014/main" id="{B4C326C5-4B12-DB4C-A669-40564ABB03BD}"/>
+          <p:cNvPr id="17" name="直線矢印コネクタ 16">
+            <a:extLst>
+              <a:ext uri="{FF2B5EF4-FFF2-40B4-BE49-F238E27FC236}">
+                <a16:creationId xmlns:a16="http://schemas.microsoft.com/office/drawing/2014/main" id="{DC2832A3-BA75-4104-BF4B-D20D7F99C33C}"/>
               </a:ext>
             </a:extLst>
           </p:cNvPr>
@@ -4793,9 +5829,9 @@
           <p:nvPr/>
         </p:nvCxnSpPr>
         <p:spPr>
-          <a:xfrm>
-            <a:off x="4751880" y="4032158"/>
-            <a:ext cx="1260000" cy="144000"/>
+          <a:xfrm flipH="1">
+            <a:off x="2632687" y="3159233"/>
+            <a:ext cx="1800000" cy="144000"/>
           </a:xfrm>
           <a:prstGeom prst="straightConnector1">
             <a:avLst/>
@@ -4824,10 +5860,10 @@
       </p:cxnSp>
       <p:sp>
         <p:nvSpPr>
-          <p:cNvPr id="42" name="テキスト ボックス 41">
-            <a:extLst>
-              <a:ext uri="{FF2B5EF4-FFF2-40B4-BE49-F238E27FC236}">
-                <a16:creationId xmlns:a16="http://schemas.microsoft.com/office/drawing/2014/main" id="{E6E663B3-9E23-DCB0-8448-BF2F826D1889}"/>
+          <p:cNvPr id="19" name="テキスト ボックス 18">
+            <a:extLst>
+              <a:ext uri="{FF2B5EF4-FFF2-40B4-BE49-F238E27FC236}">
+                <a16:creationId xmlns:a16="http://schemas.microsoft.com/office/drawing/2014/main" id="{147481C3-9602-8F1B-AB32-5FE55B39C51B}"/>
               </a:ext>
             </a:extLst>
           </p:cNvPr>
@@ -4836,8 +5872,8 @@
         </p:nvSpPr>
         <p:spPr>
           <a:xfrm>
-            <a:off x="6055773" y="1897987"/>
-            <a:ext cx="2032929" cy="215444"/>
+            <a:off x="2617900" y="925371"/>
+            <a:ext cx="1414170" cy="461665"/>
           </a:xfrm>
           <a:prstGeom prst="rect">
             <a:avLst/>
@@ -4850,14 +5886,21 @@
           </a:bodyPr>
           <a:lstStyle/>
           <a:p>
-            <a:pPr algn="r"/>
-            <a:r>
-              <a:rPr lang="en-US" altLang="ja-JP" sz="800" dirty="0"/>
-              <a:t>RPC</a:t>
-            </a:r>
-            <a:r>
-              <a:rPr lang="ja-JP" altLang="en-US" sz="800" dirty="0"/>
-              <a:t>サーバーの作成（コアチャンネル）</a:t>
+            <a:r>
+              <a:rPr kumimoji="1" lang="en-US" altLang="ja-JP" sz="800" dirty="0"/>
+              <a:t>&lt;Data&gt;&lt;RMT-delivered&gt;</a:t>
+            </a:r>
+          </a:p>
+          <a:p>
+            <a:r>
+              <a:rPr kumimoji="1" lang="en-US" altLang="ja-JP" sz="800" dirty="0"/>
+              <a:t>&lt;MessageID&gt;</a:t>
+            </a:r>
+          </a:p>
+          <a:p>
+            <a:r>
+              <a:rPr kumimoji="1" lang="en-US" altLang="ja-JP" sz="800" dirty="0"/>
+              <a:t>&lt;length&gt;&lt;data&gt;</a:t>
             </a:r>
             <a:endParaRPr kumimoji="1" lang="ja-JP" altLang="en-US" sz="800" dirty="0"/>
           </a:p>
@@ -4865,10 +5908,10 @@
       </p:sp>
       <p:sp>
         <p:nvSpPr>
-          <p:cNvPr id="43" name="テキスト ボックス 42">
-            <a:extLst>
-              <a:ext uri="{FF2B5EF4-FFF2-40B4-BE49-F238E27FC236}">
-                <a16:creationId xmlns:a16="http://schemas.microsoft.com/office/drawing/2014/main" id="{604B7F58-CE75-1216-F743-1F846266412E}"/>
+          <p:cNvPr id="20" name="テキスト ボックス 19">
+            <a:extLst>
+              <a:ext uri="{FF2B5EF4-FFF2-40B4-BE49-F238E27FC236}">
+                <a16:creationId xmlns:a16="http://schemas.microsoft.com/office/drawing/2014/main" id="{31633FF0-8092-6B7F-E42A-853F30A5D426}"/>
               </a:ext>
             </a:extLst>
           </p:cNvPr>
@@ -4877,8 +5920,8 @@
         </p:nvSpPr>
         <p:spPr>
           <a:xfrm>
-            <a:off x="6031692" y="3369489"/>
-            <a:ext cx="2337499" cy="215444"/>
+            <a:off x="3418000" y="2666403"/>
+            <a:ext cx="987771" cy="461665"/>
           </a:xfrm>
           <a:prstGeom prst="rect">
             <a:avLst/>
@@ -4891,32 +5934,32 @@
           </a:bodyPr>
           <a:lstStyle/>
           <a:p>
-            <a:pPr algn="r"/>
             <a:r>
               <a:rPr kumimoji="1" lang="en-US" altLang="ja-JP" sz="800" dirty="0"/>
-              <a:t>create_link(1)</a:t>
-            </a:r>
-            <a:r>
-              <a:rPr kumimoji="1" lang="ja-JP" altLang="en-US" sz="800" dirty="0"/>
-              <a:t>に応答して、中断ポート</a:t>
-            </a:r>
+              <a:t>&lt;Data&gt;&lt;0&gt;</a:t>
+            </a:r>
+          </a:p>
+          <a:p>
             <a:r>
               <a:rPr kumimoji="1" lang="en-US" altLang="ja-JP" sz="800" dirty="0"/>
-              <a:t>#</a:t>
-            </a:r>
-            <a:r>
-              <a:rPr kumimoji="1" lang="ja-JP" altLang="en-US" sz="800" dirty="0"/>
-              <a:t>を返す</a:t>
-            </a:r>
-          </a:p>
-        </p:txBody>
-      </p:sp>
-      <p:sp>
-        <p:nvSpPr>
-          <p:cNvPr id="47" name="テキスト ボックス 46">
-            <a:extLst>
-              <a:ext uri="{FF2B5EF4-FFF2-40B4-BE49-F238E27FC236}">
-                <a16:creationId xmlns:a16="http://schemas.microsoft.com/office/drawing/2014/main" id="{FC079A1D-777D-0A86-9DB9-2D22860FA840}"/>
+              <a:t>&lt;MessageID&gt;</a:t>
+            </a:r>
+          </a:p>
+          <a:p>
+            <a:r>
+              <a:rPr kumimoji="1" lang="en-US" altLang="ja-JP" sz="800" dirty="0"/>
+              <a:t>&lt;length&gt;&lt;data&gt;</a:t>
+            </a:r>
+            <a:endParaRPr kumimoji="1" lang="ja-JP" altLang="en-US" sz="800" dirty="0"/>
+          </a:p>
+        </p:txBody>
+      </p:sp>
+      <p:sp>
+        <p:nvSpPr>
+          <p:cNvPr id="23" name="テキスト ボックス 22">
+            <a:extLst>
+              <a:ext uri="{FF2B5EF4-FFF2-40B4-BE49-F238E27FC236}">
+                <a16:creationId xmlns:a16="http://schemas.microsoft.com/office/drawing/2014/main" id="{4FE582DC-C550-C8E1-8362-2672EF7BE376}"/>
               </a:ext>
             </a:extLst>
           </p:cNvPr>
@@ -4925,8 +5968,8 @@
         </p:nvSpPr>
         <p:spPr>
           <a:xfrm>
-            <a:off x="2482514" y="2617696"/>
-            <a:ext cx="2238113" cy="215444"/>
+            <a:off x="3418000" y="3566174"/>
+            <a:ext cx="987771" cy="461665"/>
           </a:xfrm>
           <a:prstGeom prst="rect">
             <a:avLst/>
@@ -4939,122 +5982,21 @@
           </a:bodyPr>
           <a:lstStyle/>
           <a:p>
-            <a:pPr algn="r"/>
             <a:r>
               <a:rPr kumimoji="1" lang="en-US" altLang="ja-JP" sz="800" dirty="0"/>
-              <a:t>RPC</a:t>
-            </a:r>
-            <a:r>
-              <a:rPr kumimoji="1" lang="ja-JP" altLang="en-US" sz="800" dirty="0"/>
-              <a:t>クライアント（コアチャンネル）の作成</a:t>
-            </a:r>
-          </a:p>
-        </p:txBody>
-      </p:sp>
-      <p:sp>
-        <p:nvSpPr>
-          <p:cNvPr id="48" name="テキスト ボックス 47">
-            <a:extLst>
-              <a:ext uri="{FF2B5EF4-FFF2-40B4-BE49-F238E27FC236}">
-                <a16:creationId xmlns:a16="http://schemas.microsoft.com/office/drawing/2014/main" id="{5B661C8F-ECAF-F57B-5777-67274056E99A}"/>
-              </a:ext>
-            </a:extLst>
-          </p:cNvPr>
-          <p:cNvSpPr txBox="1"/>
-          <p:nvPr/>
-        </p:nvSpPr>
-        <p:spPr>
-          <a:xfrm>
-            <a:off x="6055773" y="2158273"/>
-            <a:ext cx="2236510" cy="215444"/>
-          </a:xfrm>
-          <a:prstGeom prst="rect">
-            <a:avLst/>
-          </a:prstGeom>
-          <a:noFill/>
-        </p:spPr>
-        <p:txBody>
-          <a:bodyPr wrap="none" rtlCol="0">
-            <a:spAutoFit/>
-          </a:bodyPr>
-          <a:lstStyle/>
-          <a:p>
-            <a:r>
-              <a:rPr kumimoji="1" lang="ja-JP" altLang="en-US" sz="800" dirty="0"/>
-              <a:t>ポートマッパーにコアチャンネルを登録する</a:t>
-            </a:r>
-          </a:p>
-        </p:txBody>
-      </p:sp>
-      <p:sp>
-        <p:nvSpPr>
-          <p:cNvPr id="50" name="テキスト ボックス 49">
-            <a:extLst>
-              <a:ext uri="{FF2B5EF4-FFF2-40B4-BE49-F238E27FC236}">
-                <a16:creationId xmlns:a16="http://schemas.microsoft.com/office/drawing/2014/main" id="{0EAE163A-FA3F-13F0-4804-5964F06DF1C1}"/>
-              </a:ext>
-            </a:extLst>
-          </p:cNvPr>
-          <p:cNvSpPr txBox="1"/>
-          <p:nvPr/>
-        </p:nvSpPr>
-        <p:spPr>
-          <a:xfrm>
-            <a:off x="6055773" y="2438857"/>
-            <a:ext cx="1723550" cy="215444"/>
-          </a:xfrm>
-          <a:prstGeom prst="rect">
-            <a:avLst/>
-          </a:prstGeom>
-          <a:noFill/>
-        </p:spPr>
-        <p:txBody>
-          <a:bodyPr wrap="none" rtlCol="0">
-            <a:spAutoFit/>
-          </a:bodyPr>
-          <a:lstStyle/>
-          <a:p>
-            <a:pPr algn="r"/>
-            <a:r>
-              <a:rPr lang="ja-JP" altLang="en-US" sz="800" dirty="0"/>
-              <a:t>接続要求を受け入れる準備をする</a:t>
-            </a:r>
-            <a:endParaRPr kumimoji="1" lang="ja-JP" altLang="en-US" sz="800" dirty="0"/>
-          </a:p>
-        </p:txBody>
-      </p:sp>
-      <p:sp>
-        <p:nvSpPr>
-          <p:cNvPr id="52" name="テキスト ボックス 51">
-            <a:extLst>
-              <a:ext uri="{FF2B5EF4-FFF2-40B4-BE49-F238E27FC236}">
-                <a16:creationId xmlns:a16="http://schemas.microsoft.com/office/drawing/2014/main" id="{AD036888-FFC0-A1BD-7155-D51C8098DF78}"/>
-              </a:ext>
-            </a:extLst>
-          </p:cNvPr>
-          <p:cNvSpPr txBox="1"/>
-          <p:nvPr/>
-        </p:nvSpPr>
-        <p:spPr>
-          <a:xfrm>
-            <a:off x="3878729" y="3044749"/>
-            <a:ext cx="841898" cy="215444"/>
-          </a:xfrm>
-          <a:prstGeom prst="rect">
-            <a:avLst/>
-          </a:prstGeom>
-          <a:noFill/>
-        </p:spPr>
-        <p:txBody>
-          <a:bodyPr wrap="none" rtlCol="0">
-            <a:spAutoFit/>
-          </a:bodyPr>
-          <a:lstStyle/>
-          <a:p>
-            <a:pPr algn="r"/>
+              <a:t>&lt;DataEND&gt;&lt;0&gt;</a:t>
+            </a:r>
+          </a:p>
+          <a:p>
             <a:r>
               <a:rPr kumimoji="1" lang="en-US" altLang="ja-JP" sz="800" dirty="0"/>
-              <a:t>create_link(1)</a:t>
+              <a:t>&lt;MessageID&gt;</a:t>
+            </a:r>
+          </a:p>
+          <a:p>
+            <a:r>
+              <a:rPr kumimoji="1" lang="en-US" altLang="ja-JP" sz="800" dirty="0"/>
+              <a:t>&lt;length&gt;&lt;data&gt;</a:t>
             </a:r>
             <a:endParaRPr kumimoji="1" lang="ja-JP" altLang="en-US" sz="800" dirty="0"/>
           </a:p>
@@ -5062,10 +6004,10 @@
       </p:sp>
       <p:cxnSp>
         <p:nvCxnSpPr>
-          <p:cNvPr id="53" name="直線矢印コネクタ 52">
-            <a:extLst>
-              <a:ext uri="{FF2B5EF4-FFF2-40B4-BE49-F238E27FC236}">
-                <a16:creationId xmlns:a16="http://schemas.microsoft.com/office/drawing/2014/main" id="{D7DB7196-14B4-5C22-F8EF-DBE675F9FAA4}"/>
+          <p:cNvPr id="25" name="直線矢印コネクタ 24">
+            <a:extLst>
+              <a:ext uri="{FF2B5EF4-FFF2-40B4-BE49-F238E27FC236}">
+                <a16:creationId xmlns:a16="http://schemas.microsoft.com/office/drawing/2014/main" id="{44F07BBB-CA91-7DF6-A722-64073CA77549}"/>
               </a:ext>
             </a:extLst>
           </p:cNvPr>
@@ -5076,8 +6018,8 @@
         </p:nvCxnSpPr>
         <p:spPr>
           <a:xfrm flipH="1">
-            <a:off x="4751880" y="3554127"/>
-            <a:ext cx="1260000" cy="144000"/>
+            <a:off x="2632687" y="4039853"/>
+            <a:ext cx="1800000" cy="144000"/>
           </a:xfrm>
           <a:prstGeom prst="straightConnector1">
             <a:avLst/>
@@ -5086,7 +6028,9 @@
             <a:solidFill>
               <a:schemeClr val="tx1"/>
             </a:solidFill>
-            <a:tailEnd type="triangle"/>
+            <a:prstDash val="solid"/>
+            <a:headEnd type="none" w="med" len="med"/>
+            <a:tailEnd type="triangle" w="med" len="med"/>
           </a:ln>
         </p:spPr>
         <p:style>
@@ -5104,10 +6048,58 @@
           </a:fontRef>
         </p:style>
       </p:cxnSp>
+      <p:sp>
+        <p:nvSpPr>
+          <p:cNvPr id="28" name="テキスト ボックス 27">
+            <a:extLst>
+              <a:ext uri="{FF2B5EF4-FFF2-40B4-BE49-F238E27FC236}">
+                <a16:creationId xmlns:a16="http://schemas.microsoft.com/office/drawing/2014/main" id="{A47F7D3E-DEEF-E188-F057-44A15F55DE6E}"/>
+              </a:ext>
+            </a:extLst>
+          </p:cNvPr>
+          <p:cNvSpPr txBox="1"/>
+          <p:nvPr/>
+        </p:nvSpPr>
+        <p:spPr>
+          <a:xfrm>
+            <a:off x="2617900" y="1723525"/>
+            <a:ext cx="1632178" cy="461665"/>
+          </a:xfrm>
+          <a:prstGeom prst="rect">
+            <a:avLst/>
+          </a:prstGeom>
+          <a:noFill/>
+        </p:spPr>
+        <p:txBody>
+          <a:bodyPr wrap="none" rtlCol="0">
+            <a:spAutoFit/>
+          </a:bodyPr>
+          <a:lstStyle/>
+          <a:p>
+            <a:r>
+              <a:rPr kumimoji="1" lang="en-US" altLang="ja-JP" sz="800" dirty="0"/>
+              <a:t>&lt;DataEND&gt;&lt;RMT-delivered&gt;</a:t>
+            </a:r>
+          </a:p>
+          <a:p>
+            <a:r>
+              <a:rPr kumimoji="1" lang="en-US" altLang="ja-JP" sz="800" dirty="0"/>
+              <a:t>&lt;MessageID&gt;</a:t>
+            </a:r>
+          </a:p>
+          <a:p>
+            <a:r>
+              <a:rPr kumimoji="1" lang="en-US" altLang="ja-JP" sz="800" dirty="0"/>
+              <a:t>&lt;length&gt;&lt;data&gt;</a:t>
+            </a:r>
+            <a:endParaRPr kumimoji="1" lang="ja-JP" altLang="en-US" sz="800" dirty="0"/>
+          </a:p>
+        </p:txBody>
+      </p:sp>
     </p:spTree>
     <p:extLst>
       <p:ext uri="{BB962C8B-B14F-4D97-AF65-F5344CB8AC3E}">
-        <p14:creationId xmlns:p14="http://schemas.microsoft.com/office/powerpoint/2010/main" val="2937838769"/>
+        <p14:creationId xmlns:p14="http://schemas.microsoft.com/office/powerpoint/2010/main" val="784857051"/>
       </p:ext>
     </p:extLst>
   </p:cSld>
